--- a/Share/游戏设计--倒推法.pptx
+++ b/Share/游戏设计--倒推法.pptx
@@ -209,7 +209,7 @@
           <a:p>
             <a:fld id="{D2A48B96-639E-45A3-A0BA-2464DFDB1FAA}" type="datetimeFigureOut">
               <a:rPr lang="zh-CN" altLang="en-US" smtClean="0"/>
-              <a:t>2018/5/14</a:t>
+              <a:t>2018/5/17</a:t>
             </a:fld>
             <a:endParaRPr lang="zh-CN" altLang="en-US"/>
           </a:p>
@@ -1543,7 +1543,7 @@
           <a:p>
             <a:fld id="{D997B5FA-0921-464F-AAE1-844C04324D75}" type="datetimeFigureOut">
               <a:rPr lang="zh-CN" altLang="en-US" smtClean="0"/>
-              <a:t>2018/5/14</a:t>
+              <a:t>2018/5/17</a:t>
             </a:fld>
             <a:endParaRPr lang="zh-CN" altLang="en-US"/>
           </a:p>
@@ -1718,7 +1718,7 @@
           <a:p>
             <a:fld id="{D997B5FA-0921-464F-AAE1-844C04324D75}" type="datetimeFigureOut">
               <a:rPr lang="zh-CN" altLang="en-US" smtClean="0"/>
-              <a:t>2018/5/14</a:t>
+              <a:t>2018/5/17</a:t>
             </a:fld>
             <a:endParaRPr lang="zh-CN" altLang="en-US"/>
           </a:p>
@@ -1883,7 +1883,7 @@
           <a:p>
             <a:fld id="{D997B5FA-0921-464F-AAE1-844C04324D75}" type="datetimeFigureOut">
               <a:rPr lang="zh-CN" altLang="en-US" smtClean="0"/>
-              <a:t>2018/5/14</a:t>
+              <a:t>2018/5/17</a:t>
             </a:fld>
             <a:endParaRPr lang="zh-CN" altLang="en-US"/>
           </a:p>
@@ -2124,7 +2124,7 @@
           <a:p>
             <a:fld id="{D997B5FA-0921-464F-AAE1-844C04324D75}" type="datetimeFigureOut">
               <a:rPr lang="zh-CN" altLang="en-US" smtClean="0"/>
-              <a:t>2018/5/14</a:t>
+              <a:t>2018/5/17</a:t>
             </a:fld>
             <a:endParaRPr lang="zh-CN" altLang="en-US"/>
           </a:p>
@@ -2351,7 +2351,7 @@
           <a:p>
             <a:fld id="{D997B5FA-0921-464F-AAE1-844C04324D75}" type="datetimeFigureOut">
               <a:rPr lang="zh-CN" altLang="en-US" smtClean="0"/>
-              <a:t>2018/5/14</a:t>
+              <a:t>2018/5/17</a:t>
             </a:fld>
             <a:endParaRPr lang="zh-CN" altLang="en-US"/>
           </a:p>
@@ -2713,7 +2713,7 @@
           <a:p>
             <a:fld id="{D997B5FA-0921-464F-AAE1-844C04324D75}" type="datetimeFigureOut">
               <a:rPr lang="zh-CN" altLang="en-US" smtClean="0"/>
-              <a:t>2018/5/14</a:t>
+              <a:t>2018/5/17</a:t>
             </a:fld>
             <a:endParaRPr lang="zh-CN" altLang="en-US"/>
           </a:p>
@@ -2826,7 +2826,7 @@
           <a:p>
             <a:fld id="{D997B5FA-0921-464F-AAE1-844C04324D75}" type="datetimeFigureOut">
               <a:rPr lang="zh-CN" altLang="en-US" smtClean="0"/>
-              <a:t>2018/5/14</a:t>
+              <a:t>2018/5/17</a:t>
             </a:fld>
             <a:endParaRPr lang="zh-CN" altLang="en-US"/>
           </a:p>
@@ -2916,7 +2916,7 @@
           <a:p>
             <a:fld id="{D997B5FA-0921-464F-AAE1-844C04324D75}" type="datetimeFigureOut">
               <a:rPr lang="zh-CN" altLang="en-US" smtClean="0"/>
-              <a:t>2018/5/14</a:t>
+              <a:t>2018/5/17</a:t>
             </a:fld>
             <a:endParaRPr lang="zh-CN" altLang="en-US"/>
           </a:p>
@@ -3188,7 +3188,7 @@
           <a:p>
             <a:fld id="{D997B5FA-0921-464F-AAE1-844C04324D75}" type="datetimeFigureOut">
               <a:rPr lang="zh-CN" altLang="en-US" smtClean="0"/>
-              <a:t>2018/5/14</a:t>
+              <a:t>2018/5/17</a:t>
             </a:fld>
             <a:endParaRPr lang="zh-CN" altLang="en-US"/>
           </a:p>
@@ -3436,7 +3436,7 @@
           <a:p>
             <a:fld id="{D997B5FA-0921-464F-AAE1-844C04324D75}" type="datetimeFigureOut">
               <a:rPr lang="zh-CN" altLang="en-US" smtClean="0"/>
-              <a:t>2018/5/14</a:t>
+              <a:t>2018/5/17</a:t>
             </a:fld>
             <a:endParaRPr lang="zh-CN" altLang="en-US"/>
           </a:p>
@@ -3650,7 +3650,7 @@
           <a:p>
             <a:fld id="{D997B5FA-0921-464F-AAE1-844C04324D75}" type="datetimeFigureOut">
               <a:rPr lang="zh-CN" altLang="en-US" smtClean="0"/>
-              <a:t>2018/5/14</a:t>
+              <a:t>2018/5/17</a:t>
             </a:fld>
             <a:endParaRPr lang="zh-CN" altLang="en-US"/>
           </a:p>
@@ -4548,11 +4548,6 @@
               </a:rPr>
               <a:t>奖励系统鼓励玩家做出的行为十分接近玩家在没有奖励的情况下（目标）所做出的行为。</a:t>
             </a:r>
-            <a:endParaRPr lang="zh-CN" altLang="en-US" sz="2000" dirty="0">
-              <a:solidFill>
-                <a:schemeClr val="bg1"/>
-              </a:solidFill>
-            </a:endParaRPr>
           </a:p>
         </p:txBody>
       </p:sp>
@@ -5940,8 +5935,8 @@
         </p:nvSpPr>
         <p:spPr>
           <a:xfrm>
-            <a:off x="3989638" y="2845803"/>
-            <a:ext cx="4933458" cy="887422"/>
+            <a:off x="3511072" y="2845802"/>
+            <a:ext cx="6043125" cy="1682512"/>
           </a:xfrm>
           <a:prstGeom prst="rect">
             <a:avLst/>
@@ -5973,8 +5968,56 @@
                   <a:schemeClr val="bg1"/>
                 </a:solidFill>
               </a:rPr>
-              <a:t>当前机制，适当增加机制，使游戏变得更有深度（参考优雅的游戏机制）</a:t>
-            </a:r>
+              <a:t>当前机制，适当增加机制，使游戏变得更有深度（参考优雅的游戏机制</a:t>
+            </a:r>
+            <a:r>
+              <a:rPr lang="zh-CN" altLang="en-US" sz="2000" dirty="0" smtClean="0">
+                <a:solidFill>
+                  <a:schemeClr val="bg1"/>
+                </a:solidFill>
+              </a:rPr>
+              <a:t>）</a:t>
+            </a:r>
+            <a:endParaRPr lang="en-US" altLang="zh-CN" sz="2000" dirty="0" smtClean="0">
+              <a:solidFill>
+                <a:schemeClr val="bg1"/>
+              </a:solidFill>
+            </a:endParaRPr>
+          </a:p>
+          <a:p>
+            <a:pPr fontAlgn="auto">
+              <a:lnSpc>
+                <a:spcPts val="3060"/>
+              </a:lnSpc>
+            </a:pPr>
+            <a:r>
+              <a:rPr lang="zh-CN" altLang="en-US" sz="2000" dirty="0">
+                <a:solidFill>
+                  <a:schemeClr val="accent2"/>
+                </a:solidFill>
+              </a:rPr>
+              <a:t>使</a:t>
+            </a:r>
+            <a:r>
+              <a:rPr lang="zh-CN" altLang="en-US" sz="2000" dirty="0" smtClean="0">
+                <a:solidFill>
+                  <a:schemeClr val="accent2"/>
+                </a:solidFill>
+              </a:rPr>
+              <a:t>其有不同种类的决策范围（为节奏感准备）</a:t>
+            </a:r>
+            <a:endParaRPr lang="en-US" altLang="zh-CN" sz="2000" dirty="0" smtClean="0">
+              <a:solidFill>
+                <a:schemeClr val="accent2"/>
+              </a:solidFill>
+            </a:endParaRPr>
+          </a:p>
+          <a:p>
+            <a:pPr fontAlgn="auto">
+              <a:lnSpc>
+                <a:spcPts val="3060"/>
+              </a:lnSpc>
+            </a:pPr>
             <a:endParaRPr lang="zh-CN" altLang="en-US" sz="2000" dirty="0">
               <a:solidFill>
                 <a:schemeClr val="bg1"/>
